--- a/CSS Presentation.pptx
+++ b/CSS Presentation.pptx
@@ -3253,7 +3253,7 @@
               </a:lnSpc>
             </a:pPr>
             <a:r>
-              <a:rPr lang="en-US" smtClean="0">
+              <a:rPr lang="en-US" dirty="0" smtClean="0">
                 <a:solidFill>
                   <a:schemeClr val="bg1"/>
                 </a:solidFill>
@@ -4837,7 +4837,7 @@
                 <a:ea typeface="Proxima Nova Medium" charset="0"/>
                 <a:cs typeface="Proxima Nova Medium" charset="0"/>
               </a:rPr>
-              <a:t>- J.R.R. TOLKEIN (PARAPHRASED)</a:t>
+              <a:t>- J.R.R. TOLKIEN (PARAPHRASED)</a:t>
             </a:r>
             <a:endParaRPr lang="en-US" sz="1400" spc="600" dirty="0">
               <a:solidFill>
